--- a/walmart_presentation.pptx
+++ b/walmart_presentation.pptx
@@ -112,6 +112,11 @@
       </a:defRPr>
     </a:lvl9pPr>
   </p:defaultTextStyle>
+  <p:extLst>
+    <p:ext uri="{EFAFB233-063F-42B5-8137-9DF3F51BA10A}">
+      <p15:sldGuideLst xmlns:p15="http://schemas.microsoft.com/office/powerpoint/2012/main"/>
+    </p:ext>
+  </p:extLst>
 </p:presentation>
 </file>
 
@@ -10331,7 +10336,7 @@
           <a:p>
             <a:fld id="{72345051-2045-45DA-935E-2E3CA1A69ADC}" type="datetimeFigureOut">
               <a:rPr lang="en-US" smtClean="0"/>
-              <a:t>11/6/22</a:t>
+              <a:t>11/7/22</a:t>
             </a:fld>
             <a:endParaRPr lang="en-US" dirty="0"/>
           </a:p>
@@ -10665,7 +10670,7 @@
           <a:p>
             <a:fld id="{72345051-2045-45DA-935E-2E3CA1A69ADC}" type="datetimeFigureOut">
               <a:rPr lang="en-US" smtClean="0"/>
-              <a:t>11/6/22</a:t>
+              <a:t>11/7/22</a:t>
             </a:fld>
             <a:endParaRPr lang="en-US" dirty="0"/>
           </a:p>
@@ -10943,7 +10948,7 @@
           <a:p>
             <a:fld id="{72345051-2045-45DA-935E-2E3CA1A69ADC}" type="datetimeFigureOut">
               <a:rPr lang="en-US" smtClean="0"/>
-              <a:t>11/6/22</a:t>
+              <a:t>11/7/22</a:t>
             </a:fld>
             <a:endParaRPr lang="en-US" dirty="0"/>
           </a:p>
@@ -11511,7 +11516,7 @@
           <a:p>
             <a:fld id="{72345051-2045-45DA-935E-2E3CA1A69ADC}" type="datetimeFigureOut">
               <a:rPr lang="en-US" smtClean="0"/>
-              <a:t>11/6/22</a:t>
+              <a:t>11/7/22</a:t>
             </a:fld>
             <a:endParaRPr lang="en-US" dirty="0"/>
           </a:p>
@@ -11789,7 +11794,7 @@
           <a:p>
             <a:fld id="{72345051-2045-45DA-935E-2E3CA1A69ADC}" type="datetimeFigureOut">
               <a:rPr lang="en-US" smtClean="0"/>
-              <a:t>11/6/22</a:t>
+              <a:t>11/7/22</a:t>
             </a:fld>
             <a:endParaRPr lang="en-US" dirty="0"/>
           </a:p>
@@ -12351,7 +12356,7 @@
           <a:p>
             <a:fld id="{72345051-2045-45DA-935E-2E3CA1A69ADC}" type="datetimeFigureOut">
               <a:rPr lang="en-US" smtClean="0"/>
-              <a:t>11/6/22</a:t>
+              <a:t>11/7/22</a:t>
             </a:fld>
             <a:endParaRPr lang="en-US" dirty="0"/>
           </a:p>
@@ -12678,7 +12683,7 @@
           <a:p>
             <a:fld id="{72345051-2045-45DA-935E-2E3CA1A69ADC}" type="datetimeFigureOut">
               <a:rPr lang="en-US" smtClean="0"/>
-              <a:t>11/6/22</a:t>
+              <a:t>11/7/22</a:t>
             </a:fld>
             <a:endParaRPr lang="en-US" dirty="0"/>
           </a:p>
@@ -12855,7 +12860,7 @@
           <a:p>
             <a:fld id="{72345051-2045-45DA-935E-2E3CA1A69ADC}" type="datetimeFigureOut">
               <a:rPr lang="en-US" smtClean="0"/>
-              <a:t>11/6/22</a:t>
+              <a:t>11/7/22</a:t>
             </a:fld>
             <a:endParaRPr lang="en-US"/>
           </a:p>
@@ -13093,7 +13098,7 @@
           <a:p>
             <a:fld id="{72345051-2045-45DA-935E-2E3CA1A69ADC}" type="datetimeFigureOut">
               <a:rPr lang="en-US" smtClean="0"/>
-              <a:t>11/6/22</a:t>
+              <a:t>11/7/22</a:t>
             </a:fld>
             <a:endParaRPr lang="en-US"/>
           </a:p>
@@ -13293,7 +13298,7 @@
           <a:p>
             <a:fld id="{72345051-2045-45DA-935E-2E3CA1A69ADC}" type="datetimeFigureOut">
               <a:rPr lang="en-US" smtClean="0"/>
-              <a:t>11/6/22</a:t>
+              <a:t>11/7/22</a:t>
             </a:fld>
             <a:endParaRPr lang="en-US"/>
           </a:p>
@@ -13569,7 +13574,7 @@
           <a:p>
             <a:fld id="{72345051-2045-45DA-935E-2E3CA1A69ADC}" type="datetimeFigureOut">
               <a:rPr lang="en-US" smtClean="0"/>
-              <a:t>11/6/22</a:t>
+              <a:t>11/7/22</a:t>
             </a:fld>
             <a:endParaRPr lang="en-US"/>
           </a:p>
@@ -13835,7 +13840,7 @@
           <a:p>
             <a:fld id="{72345051-2045-45DA-935E-2E3CA1A69ADC}" type="datetimeFigureOut">
               <a:rPr lang="en-US" smtClean="0"/>
-              <a:t>11/6/22</a:t>
+              <a:t>11/7/22</a:t>
             </a:fld>
             <a:endParaRPr lang="en-US"/>
           </a:p>
@@ -14209,7 +14214,7 @@
           <a:p>
             <a:fld id="{72345051-2045-45DA-935E-2E3CA1A69ADC}" type="datetimeFigureOut">
               <a:rPr lang="en-US" smtClean="0"/>
-              <a:t>11/6/22</a:t>
+              <a:t>11/7/22</a:t>
             </a:fld>
             <a:endParaRPr lang="en-US" dirty="0"/>
           </a:p>
@@ -14357,7 +14362,7 @@
           <a:p>
             <a:fld id="{72345051-2045-45DA-935E-2E3CA1A69ADC}" type="datetimeFigureOut">
               <a:rPr lang="en-US" smtClean="0"/>
-              <a:t>11/6/22</a:t>
+              <a:t>11/7/22</a:t>
             </a:fld>
             <a:endParaRPr lang="en-US"/>
           </a:p>
@@ -14482,7 +14487,7 @@
           <a:p>
             <a:fld id="{72345051-2045-45DA-935E-2E3CA1A69ADC}" type="datetimeFigureOut">
               <a:rPr lang="en-US" smtClean="0"/>
-              <a:t>11/6/22</a:t>
+              <a:t>11/7/22</a:t>
             </a:fld>
             <a:endParaRPr lang="en-US"/>
           </a:p>
@@ -14767,7 +14772,7 @@
           <a:p>
             <a:fld id="{72345051-2045-45DA-935E-2E3CA1A69ADC}" type="datetimeFigureOut">
               <a:rPr lang="en-US" smtClean="0"/>
-              <a:t>11/6/22</a:t>
+              <a:t>11/7/22</a:t>
             </a:fld>
             <a:endParaRPr lang="en-US"/>
           </a:p>
@@ -15091,7 +15096,7 @@
           <a:p>
             <a:fld id="{72345051-2045-45DA-935E-2E3CA1A69ADC}" type="datetimeFigureOut">
               <a:rPr lang="en-US" smtClean="0"/>
-              <a:t>11/6/22</a:t>
+              <a:t>11/7/22</a:t>
             </a:fld>
             <a:endParaRPr lang="en-US"/>
           </a:p>
@@ -15305,7 +15310,7 @@
           <a:p>
             <a:fld id="{72345051-2045-45DA-935E-2E3CA1A69ADC}" type="datetimeFigureOut">
               <a:rPr lang="en-US" smtClean="0"/>
-              <a:t>11/6/22</a:t>
+              <a:t>11/7/22</a:t>
             </a:fld>
             <a:endParaRPr lang="en-US" dirty="0"/>
           </a:p>
@@ -17102,49 +17107,57 @@
           <a:lstStyle/>
           <a:p>
             <a:r>
-              <a:rPr lang="en-US"/>
+              <a:rPr lang="en-US" dirty="0"/>
               <a:t>Stores - 45</a:t>
             </a:r>
           </a:p>
           <a:p>
             <a:r>
-              <a:rPr lang="en-US"/>
+              <a:rPr lang="en-US" dirty="0"/>
               <a:t>Date (2010-2013)</a:t>
             </a:r>
           </a:p>
           <a:p>
             <a:r>
-              <a:rPr lang="en-US"/>
+              <a:rPr lang="en-US" dirty="0"/>
               <a:t>Weekly Sales</a:t>
             </a:r>
           </a:p>
           <a:p>
             <a:r>
-              <a:rPr lang="en-US"/>
+              <a:rPr lang="en-US" dirty="0"/>
               <a:t>Holiday Sales</a:t>
             </a:r>
           </a:p>
           <a:p>
             <a:r>
-              <a:rPr lang="en-US"/>
+              <a:rPr lang="en-US" dirty="0"/>
               <a:t>Temperature -℉</a:t>
             </a:r>
           </a:p>
           <a:p>
             <a:r>
-              <a:rPr lang="en-US"/>
+              <a:rPr lang="en-US" dirty="0"/>
               <a:t>Fuel Price</a:t>
             </a:r>
           </a:p>
           <a:p>
             <a:r>
+              <a:rPr lang="en-US" dirty="0"/>
+              <a:t>CPI </a:t>
+            </a:r>
+            <a:r>
               <a:rPr lang="en-US"/>
-              <a:t>CPI – Prevailing consumer price index</a:t>
+              <a:t>– Consumer </a:t>
+            </a:r>
+            <a:r>
+              <a:rPr lang="en-US" dirty="0"/>
+              <a:t>price index</a:t>
             </a:r>
           </a:p>
           <a:p>
             <a:r>
-              <a:rPr lang="en-US"/>
+              <a:rPr lang="en-US" dirty="0"/>
               <a:t>Unemployment</a:t>
             </a:r>
           </a:p>

--- a/walmart_presentation.pptx
+++ b/walmart_presentation.pptx
@@ -3325,7 +3325,7 @@
             </a:lnSpc>
           </a:pPr>
           <a:r>
-            <a:rPr lang="en-US"/>
+            <a:rPr lang="en-US" dirty="0"/>
             <a:t>Demand will increase quarterly and will be significantly higher during the last quarter of the year.</a:t>
           </a:r>
         </a:p>
@@ -3371,7 +3371,7 @@
             </a:lnSpc>
           </a:pPr>
           <a:r>
-            <a:rPr lang="en-US"/>
+            <a:rPr lang="en-US" dirty="0"/>
             <a:t>Store type format for small, medium and large stores will prepared them for future demand and stock supply.</a:t>
           </a:r>
         </a:p>
@@ -3417,7 +3417,7 @@
             </a:lnSpc>
           </a:pPr>
           <a:r>
-            <a:rPr lang="en-US"/>
+            <a:rPr lang="en-US" dirty="0"/>
             <a:t>Demand amount will depend on the store size, the model tell us that lager store the higher the demand.</a:t>
           </a:r>
         </a:p>
@@ -3463,7 +3463,7 @@
             </a:lnSpc>
           </a:pPr>
           <a:r>
-            <a:rPr lang="en-US"/>
+            <a:rPr lang="en-US" dirty="0"/>
             <a:t>Be prepared for holiday days as they are a factor that will increase demand.</a:t>
           </a:r>
         </a:p>
@@ -5653,7 +5653,7 @@
             <a:buNone/>
           </a:pPr>
           <a:r>
-            <a:rPr lang="en-US" sz="1200" kern="1200"/>
+            <a:rPr lang="en-US" sz="1200" kern="1200" dirty="0"/>
             <a:t>Demand will increase quarterly and will be significantly higher during the last quarter of the year.</a:t>
           </a:r>
         </a:p>
@@ -5809,7 +5809,7 @@
             <a:buNone/>
           </a:pPr>
           <a:r>
-            <a:rPr lang="en-US" sz="1200" kern="1200"/>
+            <a:rPr lang="en-US" sz="1200" kern="1200" dirty="0"/>
             <a:t>Store type format for small, medium and large stores will prepared them for future demand and stock supply.</a:t>
           </a:r>
         </a:p>
@@ -5965,7 +5965,7 @@
             <a:buNone/>
           </a:pPr>
           <a:r>
-            <a:rPr lang="en-US" sz="1200" kern="1200"/>
+            <a:rPr lang="en-US" sz="1200" kern="1200" dirty="0"/>
             <a:t>Demand amount will depend on the store size, the model tell us that lager store the higher the demand.</a:t>
           </a:r>
         </a:p>
@@ -6121,7 +6121,7 @@
             <a:buNone/>
           </a:pPr>
           <a:r>
-            <a:rPr lang="en-US" sz="1200" kern="1200"/>
+            <a:rPr lang="en-US" sz="1200" kern="1200" dirty="0"/>
             <a:t>Be prepared for holiday days as they are a factor that will increase demand.</a:t>
           </a:r>
         </a:p>
@@ -17144,15 +17144,7 @@
           <a:p>
             <a:r>
               <a:rPr lang="en-US" dirty="0"/>
-              <a:t>CPI </a:t>
-            </a:r>
-            <a:r>
-              <a:rPr lang="en-US"/>
-              <a:t>– Consumer </a:t>
-            </a:r>
-            <a:r>
-              <a:rPr lang="en-US" dirty="0"/>
-              <a:t>price index</a:t>
+              <a:t>CPI – Consumer price index</a:t>
             </a:r>
           </a:p>
           <a:p>

--- a/walmart_presentation.pptx
+++ b/walmart_presentation.pptx
@@ -2,7 +2,7 @@
 <file path=ppt/presentation.xml><?xml version="1.0" encoding="utf-8"?>
 <p:presentation xmlns:a="http://schemas.openxmlformats.org/drawingml/2006/main" xmlns:r="http://schemas.openxmlformats.org/officeDocument/2006/relationships" xmlns:p="http://schemas.openxmlformats.org/presentationml/2006/main" saveSubsetFonts="1" autoCompressPictures="0">
   <p:sldMasterIdLst>
-    <p:sldMasterId id="2147483788" r:id="rId1"/>
+    <p:sldMasterId id="2147483824" r:id="rId1"/>
   </p:sldMasterIdLst>
   <p:sldIdLst>
     <p:sldId id="256" r:id="rId2"/>
@@ -14,6 +14,7 @@
     <p:sldId id="263" r:id="rId8"/>
     <p:sldId id="264" r:id="rId9"/>
     <p:sldId id="265" r:id="rId10"/>
+    <p:sldId id="266" r:id="rId11"/>
   </p:sldIdLst>
   <p:sldSz cx="12192000" cy="6858000"/>
   <p:notesSz cx="6858000" cy="9144000"/>
@@ -2985,7 +2986,7 @@
   <dgm:whole/>
   <dgm:extLst>
     <a:ext uri="http://schemas.microsoft.com/office/drawing/2008/diagram">
-      <dsp:dataModelExt xmlns:dsp="http://schemas.microsoft.com/office/drawing/2008/diagram" relId="rId9" minVer="http://schemas.openxmlformats.org/drawingml/2006/diagram"/>
+      <dsp:dataModelExt xmlns:dsp="http://schemas.microsoft.com/office/drawing/2008/diagram" relId="rId8" minVer="http://schemas.openxmlformats.org/drawingml/2006/diagram"/>
     </a:ext>
   </dgm:extLst>
 </dgm:dataModel>
@@ -3371,9 +3372,10 @@
             </a:lnSpc>
           </a:pPr>
           <a:r>
-            <a:rPr lang="en-US" dirty="0"/>
-            <a:t>Store type format for small, medium and large stores will prepared them for future demand and stock supply.</a:t>
+            <a:rPr lang="en-GB" dirty="0"/>
+            <a:t>Categorising stores into small, medium and large will help prepare them for future demand and stock supply</a:t>
           </a:r>
+          <a:endParaRPr lang="en-US" dirty="0"/>
         </a:p>
       </dgm:t>
     </dgm:pt>
@@ -3418,7 +3420,7 @@
           </a:pPr>
           <a:r>
             <a:rPr lang="en-US" dirty="0"/>
-            <a:t>Demand amount will depend on the store size, the model tell us that lager store the higher the demand.</a:t>
+            <a:t>Demand amount will depend on the store size, the model tells us that the larger the store, the higher the demand.</a:t>
           </a:r>
         </a:p>
       </dgm:t>
@@ -5809,9 +5811,10 @@
             <a:buNone/>
           </a:pPr>
           <a:r>
-            <a:rPr lang="en-US" sz="1200" kern="1200" dirty="0"/>
-            <a:t>Store type format for small, medium and large stores will prepared them for future demand and stock supply.</a:t>
+            <a:rPr lang="en-GB" sz="1200" kern="1200" dirty="0"/>
+            <a:t>Categorising stores into small, medium and large will help prepare them for future demand and stock supply</a:t>
           </a:r>
+          <a:endParaRPr lang="en-US" sz="1200" kern="1200" dirty="0"/>
         </a:p>
       </dsp:txBody>
       <dsp:txXfrm>
@@ -5966,7 +5969,7 @@
           </a:pPr>
           <a:r>
             <a:rPr lang="en-US" sz="1200" kern="1200" dirty="0"/>
-            <a:t>Demand amount will depend on the store size, the model tell us that lager store the higher the demand.</a:t>
+            <a:t>Demand amount will depend on the store size, the model tells us that the larger the store, the higher the demand.</a:t>
           </a:r>
         </a:p>
       </dsp:txBody>
@@ -10397,7 +10400,7 @@
     </p:spTree>
     <p:extLst>
       <p:ext uri="{BB962C8B-B14F-4D97-AF65-F5344CB8AC3E}">
-        <p14:creationId xmlns:p14="http://schemas.microsoft.com/office/powerpoint/2010/main" val="2333693477"/>
+        <p14:creationId xmlns:p14="http://schemas.microsoft.com/office/powerpoint/2010/main" val="3498069381"/>
       </p:ext>
     </p:extLst>
   </p:cSld>
@@ -10721,7 +10724,7 @@
     </p:spTree>
     <p:extLst>
       <p:ext uri="{BB962C8B-B14F-4D97-AF65-F5344CB8AC3E}">
-        <p14:creationId xmlns:p14="http://schemas.microsoft.com/office/powerpoint/2010/main" val="795609131"/>
+        <p14:creationId xmlns:p14="http://schemas.microsoft.com/office/powerpoint/2010/main" val="2831696044"/>
       </p:ext>
     </p:extLst>
   </p:cSld>
@@ -10999,7 +11002,7 @@
     </p:spTree>
     <p:extLst>
       <p:ext uri="{BB962C8B-B14F-4D97-AF65-F5344CB8AC3E}">
-        <p14:creationId xmlns:p14="http://schemas.microsoft.com/office/powerpoint/2010/main" val="3797920459"/>
+        <p14:creationId xmlns:p14="http://schemas.microsoft.com/office/powerpoint/2010/main" val="613462441"/>
       </p:ext>
     </p:extLst>
   </p:cSld>
@@ -11567,7 +11570,7 @@
     </p:spTree>
     <p:extLst>
       <p:ext uri="{BB962C8B-B14F-4D97-AF65-F5344CB8AC3E}">
-        <p14:creationId xmlns:p14="http://schemas.microsoft.com/office/powerpoint/2010/main" val="2865982880"/>
+        <p14:creationId xmlns:p14="http://schemas.microsoft.com/office/powerpoint/2010/main" val="4145793406"/>
       </p:ext>
     </p:extLst>
   </p:cSld>
@@ -11845,7 +11848,7 @@
     </p:spTree>
     <p:extLst>
       <p:ext uri="{BB962C8B-B14F-4D97-AF65-F5344CB8AC3E}">
-        <p14:creationId xmlns:p14="http://schemas.microsoft.com/office/powerpoint/2010/main" val="3729829208"/>
+        <p14:creationId xmlns:p14="http://schemas.microsoft.com/office/powerpoint/2010/main" val="3706476758"/>
       </p:ext>
     </p:extLst>
   </p:cSld>
@@ -12407,7 +12410,7 @@
     </p:spTree>
     <p:extLst>
       <p:ext uri="{BB962C8B-B14F-4D97-AF65-F5344CB8AC3E}">
-        <p14:creationId xmlns:p14="http://schemas.microsoft.com/office/powerpoint/2010/main" val="1245078964"/>
+        <p14:creationId xmlns:p14="http://schemas.microsoft.com/office/powerpoint/2010/main" val="3522066225"/>
       </p:ext>
     </p:extLst>
   </p:cSld>
@@ -12734,7 +12737,7 @@
     </p:spTree>
     <p:extLst>
       <p:ext uri="{BB962C8B-B14F-4D97-AF65-F5344CB8AC3E}">
-        <p14:creationId xmlns:p14="http://schemas.microsoft.com/office/powerpoint/2010/main" val="1541464546"/>
+        <p14:creationId xmlns:p14="http://schemas.microsoft.com/office/powerpoint/2010/main" val="3819779810"/>
       </p:ext>
     </p:extLst>
   </p:cSld>
@@ -12939,7 +12942,7 @@
     </p:spTree>
     <p:extLst>
       <p:ext uri="{BB962C8B-B14F-4D97-AF65-F5344CB8AC3E}">
-        <p14:creationId xmlns:p14="http://schemas.microsoft.com/office/powerpoint/2010/main" val="1125365499"/>
+        <p14:creationId xmlns:p14="http://schemas.microsoft.com/office/powerpoint/2010/main" val="1136233674"/>
       </p:ext>
     </p:extLst>
   </p:cSld>
@@ -13149,7 +13152,7 @@
     </p:spTree>
     <p:extLst>
       <p:ext uri="{BB962C8B-B14F-4D97-AF65-F5344CB8AC3E}">
-        <p14:creationId xmlns:p14="http://schemas.microsoft.com/office/powerpoint/2010/main" val="886411598"/>
+        <p14:creationId xmlns:p14="http://schemas.microsoft.com/office/powerpoint/2010/main" val="944692526"/>
       </p:ext>
     </p:extLst>
   </p:cSld>
@@ -13349,7 +13352,7 @@
     </p:spTree>
     <p:extLst>
       <p:ext uri="{BB962C8B-B14F-4D97-AF65-F5344CB8AC3E}">
-        <p14:creationId xmlns:p14="http://schemas.microsoft.com/office/powerpoint/2010/main" val="2909981583"/>
+        <p14:creationId xmlns:p14="http://schemas.microsoft.com/office/powerpoint/2010/main" val="1357538066"/>
       </p:ext>
     </p:extLst>
   </p:cSld>
@@ -13625,7 +13628,7 @@
     </p:spTree>
     <p:extLst>
       <p:ext uri="{BB962C8B-B14F-4D97-AF65-F5344CB8AC3E}">
-        <p14:creationId xmlns:p14="http://schemas.microsoft.com/office/powerpoint/2010/main" val="3833451283"/>
+        <p14:creationId xmlns:p14="http://schemas.microsoft.com/office/powerpoint/2010/main" val="2835412664"/>
       </p:ext>
     </p:extLst>
   </p:cSld>
@@ -13891,7 +13894,7 @@
     </p:spTree>
     <p:extLst>
       <p:ext uri="{BB962C8B-B14F-4D97-AF65-F5344CB8AC3E}">
-        <p14:creationId xmlns:p14="http://schemas.microsoft.com/office/powerpoint/2010/main" val="2607692590"/>
+        <p14:creationId xmlns:p14="http://schemas.microsoft.com/office/powerpoint/2010/main" val="4217502143"/>
       </p:ext>
     </p:extLst>
   </p:cSld>
@@ -14265,7 +14268,7 @@
     </p:spTree>
     <p:extLst>
       <p:ext uri="{BB962C8B-B14F-4D97-AF65-F5344CB8AC3E}">
-        <p14:creationId xmlns:p14="http://schemas.microsoft.com/office/powerpoint/2010/main" val="1949805918"/>
+        <p14:creationId xmlns:p14="http://schemas.microsoft.com/office/powerpoint/2010/main" val="3512198368"/>
       </p:ext>
     </p:extLst>
   </p:cSld>
@@ -14413,7 +14416,7 @@
     </p:spTree>
     <p:extLst>
       <p:ext uri="{BB962C8B-B14F-4D97-AF65-F5344CB8AC3E}">
-        <p14:creationId xmlns:p14="http://schemas.microsoft.com/office/powerpoint/2010/main" val="3703402908"/>
+        <p14:creationId xmlns:p14="http://schemas.microsoft.com/office/powerpoint/2010/main" val="3856537548"/>
       </p:ext>
     </p:extLst>
   </p:cSld>
@@ -14538,7 +14541,7 @@
     </p:spTree>
     <p:extLst>
       <p:ext uri="{BB962C8B-B14F-4D97-AF65-F5344CB8AC3E}">
-        <p14:creationId xmlns:p14="http://schemas.microsoft.com/office/powerpoint/2010/main" val="347780478"/>
+        <p14:creationId xmlns:p14="http://schemas.microsoft.com/office/powerpoint/2010/main" val="1851407355"/>
       </p:ext>
     </p:extLst>
   </p:cSld>
@@ -14823,7 +14826,7 @@
     </p:spTree>
     <p:extLst>
       <p:ext uri="{BB962C8B-B14F-4D97-AF65-F5344CB8AC3E}">
-        <p14:creationId xmlns:p14="http://schemas.microsoft.com/office/powerpoint/2010/main" val="2887867920"/>
+        <p14:creationId xmlns:p14="http://schemas.microsoft.com/office/powerpoint/2010/main" val="1472257142"/>
       </p:ext>
     </p:extLst>
   </p:cSld>
@@ -15147,7 +15150,7 @@
     </p:spTree>
     <p:extLst>
       <p:ext uri="{BB962C8B-B14F-4D97-AF65-F5344CB8AC3E}">
-        <p14:creationId xmlns:p14="http://schemas.microsoft.com/office/powerpoint/2010/main" val="1587391284"/>
+        <p14:creationId xmlns:p14="http://schemas.microsoft.com/office/powerpoint/2010/main" val="701022222"/>
       </p:ext>
     </p:extLst>
   </p:cSld>
@@ -15397,29 +15400,29 @@
     </p:spTree>
     <p:extLst>
       <p:ext uri="{BB962C8B-B14F-4D97-AF65-F5344CB8AC3E}">
-        <p14:creationId xmlns:p14="http://schemas.microsoft.com/office/powerpoint/2010/main" val="765608965"/>
+        <p14:creationId xmlns:p14="http://schemas.microsoft.com/office/powerpoint/2010/main" val="1663829307"/>
       </p:ext>
     </p:extLst>
   </p:cSld>
   <p:clrMap bg1="dk1" tx1="lt1" bg2="dk2" tx2="lt2" accent1="accent1" accent2="accent2" accent3="accent3" accent4="accent4" accent5="accent5" accent6="accent6" hlink="hlink" folHlink="folHlink"/>
   <p:sldLayoutIdLst>
-    <p:sldLayoutId id="2147483789" r:id="rId1"/>
-    <p:sldLayoutId id="2147483790" r:id="rId2"/>
-    <p:sldLayoutId id="2147483791" r:id="rId3"/>
-    <p:sldLayoutId id="2147483792" r:id="rId4"/>
-    <p:sldLayoutId id="2147483793" r:id="rId5"/>
-    <p:sldLayoutId id="2147483794" r:id="rId6"/>
-    <p:sldLayoutId id="2147483795" r:id="rId7"/>
-    <p:sldLayoutId id="2147483796" r:id="rId8"/>
-    <p:sldLayoutId id="2147483797" r:id="rId9"/>
-    <p:sldLayoutId id="2147483798" r:id="rId10"/>
-    <p:sldLayoutId id="2147483799" r:id="rId11"/>
-    <p:sldLayoutId id="2147483800" r:id="rId12"/>
-    <p:sldLayoutId id="2147483801" r:id="rId13"/>
-    <p:sldLayoutId id="2147483802" r:id="rId14"/>
-    <p:sldLayoutId id="2147483803" r:id="rId15"/>
-    <p:sldLayoutId id="2147483804" r:id="rId16"/>
-    <p:sldLayoutId id="2147483805" r:id="rId17"/>
+    <p:sldLayoutId id="2147483825" r:id="rId1"/>
+    <p:sldLayoutId id="2147483826" r:id="rId2"/>
+    <p:sldLayoutId id="2147483827" r:id="rId3"/>
+    <p:sldLayoutId id="2147483828" r:id="rId4"/>
+    <p:sldLayoutId id="2147483829" r:id="rId5"/>
+    <p:sldLayoutId id="2147483830" r:id="rId6"/>
+    <p:sldLayoutId id="2147483831" r:id="rId7"/>
+    <p:sldLayoutId id="2147483832" r:id="rId8"/>
+    <p:sldLayoutId id="2147483833" r:id="rId9"/>
+    <p:sldLayoutId id="2147483834" r:id="rId10"/>
+    <p:sldLayoutId id="2147483835" r:id="rId11"/>
+    <p:sldLayoutId id="2147483836" r:id="rId12"/>
+    <p:sldLayoutId id="2147483837" r:id="rId13"/>
+    <p:sldLayoutId id="2147483838" r:id="rId14"/>
+    <p:sldLayoutId id="2147483839" r:id="rId15"/>
+    <p:sldLayoutId id="2147483840" r:id="rId16"/>
+    <p:sldLayoutId id="2147483841" r:id="rId17"/>
   </p:sldLayoutIdLst>
   <p:txStyles>
     <p:titleStyle>
@@ -16288,6 +16291,374 @@
 </p:sld>
 </file>
 
+<file path=ppt/slides/slide10.xml><?xml version="1.0" encoding="utf-8"?>
+<p:sld xmlns:a="http://schemas.openxmlformats.org/drawingml/2006/main" xmlns:r="http://schemas.openxmlformats.org/officeDocument/2006/relationships" xmlns:p="http://schemas.openxmlformats.org/presentationml/2006/main">
+  <p:cSld>
+    <p:bg>
+      <p:bgPr>
+        <a:blipFill>
+          <a:blip r:embed="rId2"/>
+          <a:stretch/>
+        </a:blipFill>
+        <a:effectLst/>
+      </p:bgPr>
+    </p:bg>
+    <p:spTree>
+      <p:nvGrpSpPr>
+        <p:cNvPr id="1" name=""/>
+        <p:cNvGrpSpPr/>
+        <p:nvPr/>
+      </p:nvGrpSpPr>
+      <p:grpSpPr>
+        <a:xfrm>
+          <a:off x="0" y="0"/>
+          <a:ext cx="0" cy="0"/>
+          <a:chOff x="0" y="0"/>
+          <a:chExt cx="0" cy="0"/>
+        </a:xfrm>
+      </p:grpSpPr>
+      <p:sp>
+        <p:nvSpPr>
+          <p:cNvPr id="2" name="Title 1">
+            <a:extLst>
+              <a:ext uri="{FF2B5EF4-FFF2-40B4-BE49-F238E27FC236}">
+                <a16:creationId xmlns:a16="http://schemas.microsoft.com/office/drawing/2014/main" id="{F7490153-C730-81D7-32E0-7B8A7400D494}"/>
+              </a:ext>
+            </a:extLst>
+          </p:cNvPr>
+          <p:cNvSpPr>
+            <a:spLocks noGrp="1"/>
+          </p:cNvSpPr>
+          <p:nvPr>
+            <p:ph type="title"/>
+          </p:nvPr>
+        </p:nvSpPr>
+        <p:spPr>
+          <a:xfrm>
+            <a:off x="632651" y="643465"/>
+            <a:ext cx="9057887" cy="5571072"/>
+          </a:xfrm>
+        </p:spPr>
+        <p:txBody>
+          <a:bodyPr vert="horz" lIns="91440" tIns="45720" rIns="91440" bIns="45720" rtlCol="0" anchor="ctr">
+            <a:normAutofit/>
+          </a:bodyPr>
+          <a:lstStyle/>
+          <a:p>
+            <a:r>
+              <a:rPr lang="en-US" sz="3100" dirty="0"/>
+              <a:t>Thank you</a:t>
+            </a:r>
+            <a:br>
+              <a:rPr lang="en-US" sz="3100" dirty="0"/>
+            </a:br>
+            <a:br>
+              <a:rPr lang="en-US" sz="3100" dirty="0"/>
+            </a:br>
+            <a:r>
+              <a:rPr lang="en-US" sz="2000" cap="none" dirty="0"/>
+              <a:t>Email: </a:t>
+            </a:r>
+            <a:r>
+              <a:rPr lang="en-US" sz="2000" cap="none" dirty="0">
+                <a:solidFill>
+                  <a:schemeClr val="accent2">
+                    <a:lumMod val="40000"/>
+                    <a:lumOff val="60000"/>
+                  </a:schemeClr>
+                </a:solidFill>
+                <a:hlinkClick r:id="rId3">
+                  <a:extLst>
+                    <a:ext uri="{A12FA001-AC4F-418D-AE19-62706E023703}">
+                      <ahyp:hlinkClr xmlns:ahyp="http://schemas.microsoft.com/office/drawing/2018/hyperlinkcolor" val="tx"/>
+                    </a:ext>
+                  </a:extLst>
+                </a:hlinkClick>
+              </a:rPr>
+              <a:t>Christopher.Freyre@gmail.com</a:t>
+            </a:r>
+            <a:br>
+              <a:rPr lang="en-US" sz="2000" cap="none" dirty="0"/>
+            </a:br>
+            <a:r>
+              <a:rPr lang="en-US" sz="2000" cap="none" dirty="0" err="1"/>
+              <a:t>Github</a:t>
+            </a:r>
+            <a:r>
+              <a:rPr lang="en-US" sz="2000" cap="none" dirty="0"/>
+              <a:t>: @</a:t>
+            </a:r>
+            <a:r>
+              <a:rPr lang="en-US" sz="2000" cap="none" dirty="0" err="1"/>
+              <a:t>Chrisfreyre</a:t>
+            </a:r>
+            <a:br>
+              <a:rPr lang="en-US" sz="2000" cap="none" dirty="0"/>
+            </a:br>
+            <a:r>
+              <a:rPr lang="en-US" sz="2000" cap="none" dirty="0" err="1"/>
+              <a:t>Linkedin</a:t>
+            </a:r>
+            <a:r>
+              <a:rPr lang="en-US" sz="2000" cap="none" dirty="0"/>
+              <a:t>: </a:t>
+            </a:r>
+            <a:r>
+              <a:rPr lang="en-AU" sz="2000" b="0" i="0" cap="none" dirty="0">
+                <a:solidFill>
+                  <a:schemeClr val="accent2">
+                    <a:lumMod val="40000"/>
+                    <a:lumOff val="60000"/>
+                  </a:schemeClr>
+                </a:solidFill>
+                <a:effectLst/>
+                <a:latin typeface="-apple-system"/>
+                <a:hlinkClick r:id="rId4">
+                  <a:extLst>
+                    <a:ext uri="{A12FA001-AC4F-418D-AE19-62706E023703}">
+                      <ahyp:hlinkClr xmlns:ahyp="http://schemas.microsoft.com/office/drawing/2018/hyperlinkcolor" val="tx"/>
+                    </a:ext>
+                  </a:extLst>
+                </a:hlinkClick>
+              </a:rPr>
+              <a:t>https://www.linkedin.com/in/christopher-freyre-56760b136</a:t>
+            </a:r>
+            <a:br>
+              <a:rPr lang="en-AU" sz="2000" b="0" i="0" cap="none" dirty="0">
+                <a:effectLst/>
+                <a:latin typeface="-apple-system"/>
+              </a:rPr>
+            </a:br>
+            <a:endParaRPr lang="en-US" sz="3100" cap="none" dirty="0"/>
+          </a:p>
+        </p:txBody>
+      </p:sp>
+      <p:pic>
+        <p:nvPicPr>
+          <p:cNvPr id="3" name="Picture 2">
+            <a:extLst>
+              <a:ext uri="{FF2B5EF4-FFF2-40B4-BE49-F238E27FC236}">
+                <a16:creationId xmlns:a16="http://schemas.microsoft.com/office/drawing/2014/main" id="{68D54DFE-4337-B0BD-C4AE-715D63B1072C}"/>
+              </a:ext>
+            </a:extLst>
+          </p:cNvPr>
+          <p:cNvPicPr>
+            <a:picLocks noChangeAspect="1"/>
+          </p:cNvPicPr>
+          <p:nvPr/>
+        </p:nvPicPr>
+        <p:blipFill rotWithShape="1">
+          <a:blip r:embed="rId5"/>
+          <a:srcRect l="33765" r="32988"/>
+          <a:stretch/>
+        </p:blipFill>
+        <p:spPr>
+          <a:xfrm rot="10800000">
+            <a:off x="8138450" y="0"/>
+            <a:ext cx="4053550" cy="6857989"/>
+          </a:xfrm>
+          <a:custGeom>
+            <a:avLst/>
+            <a:gdLst/>
+            <a:ahLst/>
+            <a:cxnLst/>
+            <a:rect l="l" t="t" r="r" b="b"/>
+            <a:pathLst>
+              <a:path w="4053570" h="6857999">
+                <a:moveTo>
+                  <a:pt x="0" y="0"/>
+                </a:moveTo>
+                <a:lnTo>
+                  <a:pt x="4022851" y="0"/>
+                </a:lnTo>
+                <a:lnTo>
+                  <a:pt x="4023684" y="7069"/>
+                </a:lnTo>
+                <a:cubicBezTo>
+                  <a:pt x="4038634" y="90834"/>
+                  <a:pt x="4036100" y="175741"/>
+                  <a:pt x="4040154" y="260014"/>
+                </a:cubicBezTo>
+                <a:cubicBezTo>
+                  <a:pt x="4044969" y="363071"/>
+                  <a:pt x="4038888" y="466508"/>
+                  <a:pt x="4036607" y="569818"/>
+                </a:cubicBezTo>
+                <a:cubicBezTo>
+                  <a:pt x="4034833" y="657771"/>
+                  <a:pt x="4026091" y="745598"/>
+                  <a:pt x="4028752" y="833678"/>
+                </a:cubicBezTo>
+                <a:cubicBezTo>
+                  <a:pt x="4028942" y="836724"/>
+                  <a:pt x="4028942" y="839770"/>
+                  <a:pt x="4028752" y="842816"/>
+                </a:cubicBezTo>
+                <a:cubicBezTo>
+                  <a:pt x="4020643" y="939653"/>
+                  <a:pt x="4020643" y="1036998"/>
+                  <a:pt x="4028752" y="1133836"/>
+                </a:cubicBezTo>
+                <a:cubicBezTo>
+                  <a:pt x="4031324" y="1174144"/>
+                  <a:pt x="4030602" y="1214593"/>
+                  <a:pt x="4026598" y="1254787"/>
+                </a:cubicBezTo>
+                <a:cubicBezTo>
+                  <a:pt x="4022797" y="1305935"/>
+                  <a:pt x="4010634" y="1357844"/>
+                  <a:pt x="4019376" y="1408610"/>
+                </a:cubicBezTo>
+                <a:cubicBezTo>
+                  <a:pt x="4025065" y="1450430"/>
+                  <a:pt x="4028194" y="1492566"/>
+                  <a:pt x="4028752" y="1534766"/>
+                </a:cubicBezTo>
+                <a:cubicBezTo>
+                  <a:pt x="4033186" y="1629192"/>
+                  <a:pt x="4029005" y="1724125"/>
+                  <a:pt x="4027358" y="1818805"/>
+                </a:cubicBezTo>
+                <a:cubicBezTo>
+                  <a:pt x="4025584" y="1929096"/>
+                  <a:pt x="4028372" y="2039387"/>
+                  <a:pt x="4019503" y="2149804"/>
+                </a:cubicBezTo>
+                <a:cubicBezTo>
+                  <a:pt x="4014625" y="2239001"/>
+                  <a:pt x="4014625" y="2328401"/>
+                  <a:pt x="4019503" y="2417598"/>
+                </a:cubicBezTo>
+                <a:cubicBezTo>
+                  <a:pt x="4021910" y="2499333"/>
+                  <a:pt x="4034200" y="2580306"/>
+                  <a:pt x="4032173" y="2662929"/>
+                </a:cubicBezTo>
+                <a:cubicBezTo>
+                  <a:pt x="4029765" y="2759258"/>
+                  <a:pt x="4018363" y="2855334"/>
+                  <a:pt x="4021910" y="2951918"/>
+                </a:cubicBezTo>
+                <a:cubicBezTo>
+                  <a:pt x="4023557" y="2997989"/>
+                  <a:pt x="4023684" y="3044060"/>
+                  <a:pt x="4024571" y="3090130"/>
+                </a:cubicBezTo>
+                <a:cubicBezTo>
+                  <a:pt x="4025711" y="3145593"/>
+                  <a:pt x="4035720" y="3200928"/>
+                  <a:pt x="4030145" y="3256264"/>
+                </a:cubicBezTo>
+                <a:cubicBezTo>
+                  <a:pt x="4020897" y="3348533"/>
+                  <a:pt x="3996951" y="3439278"/>
+                  <a:pt x="4011901" y="3533831"/>
+                </a:cubicBezTo>
+                <a:cubicBezTo>
+                  <a:pt x="4020136" y="3585867"/>
+                  <a:pt x="4029385" y="3638030"/>
+                  <a:pt x="4034200" y="3690573"/>
+                </a:cubicBezTo>
+                <a:cubicBezTo>
+                  <a:pt x="4038381" y="3737532"/>
+                  <a:pt x="4048896" y="3785253"/>
+                  <a:pt x="4040914" y="3831958"/>
+                </a:cubicBezTo>
+                <a:cubicBezTo>
+                  <a:pt x="4034073" y="3871937"/>
+                  <a:pt x="4037620" y="3911916"/>
+                  <a:pt x="4032299" y="3951895"/>
+                </a:cubicBezTo>
+                <a:cubicBezTo>
+                  <a:pt x="4025331" y="4004311"/>
+                  <a:pt x="4021657" y="4057616"/>
+                  <a:pt x="4016336" y="4110414"/>
+                </a:cubicBezTo>
+                <a:cubicBezTo>
+                  <a:pt x="4011648" y="4158261"/>
+                  <a:pt x="4007974" y="4205982"/>
+                  <a:pt x="4020643" y="4250911"/>
+                </a:cubicBezTo>
+                <a:cubicBezTo>
+                  <a:pt x="4051684" y="4363994"/>
+                  <a:pt x="4034707" y="4476442"/>
+                  <a:pt x="4023051" y="4588763"/>
+                </a:cubicBezTo>
+                <a:cubicBezTo>
+                  <a:pt x="4017349" y="4643337"/>
+                  <a:pt x="4008987" y="4701084"/>
+                  <a:pt x="4021657" y="4751090"/>
+                </a:cubicBezTo>
+                <a:cubicBezTo>
+                  <a:pt x="4044969" y="4839804"/>
+                  <a:pt x="4026725" y="4924077"/>
+                  <a:pt x="4016589" y="5009238"/>
+                </a:cubicBezTo>
+                <a:cubicBezTo>
+                  <a:pt x="4004363" y="5092546"/>
+                  <a:pt x="4006124" y="5177301"/>
+                  <a:pt x="4021784" y="5260026"/>
+                </a:cubicBezTo>
+                <a:cubicBezTo>
+                  <a:pt x="4034200" y="5318407"/>
+                  <a:pt x="4034200" y="5377804"/>
+                  <a:pt x="4035720" y="5436566"/>
+                </a:cubicBezTo>
+                <a:cubicBezTo>
+                  <a:pt x="4036607" y="5473373"/>
+                  <a:pt x="4023051" y="5510813"/>
+                  <a:pt x="4014055" y="5547492"/>
+                </a:cubicBezTo>
+                <a:cubicBezTo>
+                  <a:pt x="3997965" y="5613743"/>
+                  <a:pt x="3992137" y="5681008"/>
+                  <a:pt x="4014055" y="5745609"/>
+                </a:cubicBezTo>
+                <a:cubicBezTo>
+                  <a:pt x="4044589" y="5835085"/>
+                  <a:pt x="4062073" y="5924561"/>
+                  <a:pt x="4049403" y="6019242"/>
+                </a:cubicBezTo>
+                <a:cubicBezTo>
+                  <a:pt x="4042055" y="6077623"/>
+                  <a:pt x="4040408" y="6137274"/>
+                  <a:pt x="4029385" y="6194894"/>
+                </a:cubicBezTo>
+                <a:cubicBezTo>
+                  <a:pt x="4011268" y="6290463"/>
+                  <a:pt x="4017729" y="6385396"/>
+                  <a:pt x="4032173" y="6479568"/>
+                </a:cubicBezTo>
+                <a:cubicBezTo>
+                  <a:pt x="4042321" y="6558257"/>
+                  <a:pt x="4043423" y="6637846"/>
+                  <a:pt x="4035467" y="6716775"/>
+                </a:cubicBezTo>
+                <a:lnTo>
+                  <a:pt x="4025707" y="6857999"/>
+                </a:lnTo>
+                <a:lnTo>
+                  <a:pt x="0" y="6857999"/>
+                </a:lnTo>
+                <a:close/>
+              </a:path>
+            </a:pathLst>
+          </a:custGeom>
+        </p:spPr>
+      </p:pic>
+    </p:spTree>
+    <p:extLst>
+      <p:ext uri="{BB962C8B-B14F-4D97-AF65-F5344CB8AC3E}">
+        <p14:creationId xmlns:p14="http://schemas.microsoft.com/office/powerpoint/2010/main" val="2040134204"/>
+      </p:ext>
+    </p:extLst>
+  </p:cSld>
+  <p:clrMapOvr>
+    <a:masterClrMapping/>
+  </p:clrMapOvr>
+</p:sld>
+</file>
+
 <file path=ppt/slides/slide2.xml><?xml version="1.0" encoding="utf-8"?>
 <p:sld xmlns:a="http://schemas.openxmlformats.org/drawingml/2006/main" xmlns:r="http://schemas.openxmlformats.org/officeDocument/2006/relationships" xmlns:p="http://schemas.openxmlformats.org/presentationml/2006/main">
   <p:cSld>
@@ -16473,51 +16844,6 @@
       </p:grpSpPr>
       <p:pic>
         <p:nvPicPr>
-          <p:cNvPr id="9" name="Picture 8">
-            <a:extLst>
-              <a:ext uri="{FF2B5EF4-FFF2-40B4-BE49-F238E27FC236}">
-                <a16:creationId xmlns:a16="http://schemas.microsoft.com/office/drawing/2014/main" id="{CBECFFDC-94DB-4DA3-94FE-22FEDDA8FA30}"/>
-              </a:ext>
-              <a:ext uri="{C183D7F6-B498-43B3-948B-1728B52AA6E4}">
-                <adec:decorative xmlns:adec="http://schemas.microsoft.com/office/drawing/2017/decorative" val="1"/>
-              </a:ext>
-            </a:extLst>
-          </p:cNvPr>
-          <p:cNvPicPr>
-            <a:picLocks noGrp="1" noRot="1" noChangeAspect="1" noMove="1" noResize="1" noEditPoints="1" noAdjustHandles="1" noChangeArrowheads="1" noChangeShapeType="1" noCrop="1"/>
-          </p:cNvPicPr>
-          <p:nvPr>
-            <p:extLst>
-              <p:ext uri="{386F3935-93C4-4BCD-93E2-E3B085C9AB24}">
-                <p16:designElem xmlns:p16="http://schemas.microsoft.com/office/powerpoint/2015/main" val="1"/>
-              </p:ext>
-            </p:extLst>
-          </p:nvPr>
-        </p:nvPicPr>
-        <p:blipFill>
-          <a:blip r:embed="rId3">
-            <a:extLst>
-              <a:ext uri="{28A0092B-C50C-407E-A947-70E740481C1C}">
-                <a14:useLocalDpi xmlns:a14="http://schemas.microsoft.com/office/drawing/2010/main" val="0"/>
-              </a:ext>
-            </a:extLst>
-          </a:blip>
-          <a:stretch>
-            <a:fillRect/>
-          </a:stretch>
-        </p:blipFill>
-        <p:spPr>
-          <a:xfrm>
-            <a:off x="0" y="0"/>
-            <a:ext cx="12188825" cy="6856214"/>
-          </a:xfrm>
-          <a:prstGeom prst="rect">
-            <a:avLst/>
-          </a:prstGeom>
-        </p:spPr>
-      </p:pic>
-      <p:pic>
-        <p:nvPicPr>
           <p:cNvPr id="4" name="Picture 3">
             <a:extLst>
               <a:ext uri="{FF2B5EF4-FFF2-40B4-BE49-F238E27FC236}">
@@ -16531,7 +16857,7 @@
           <p:nvPr/>
         </p:nvPicPr>
         <p:blipFill rotWithShape="1">
-          <a:blip r:embed="rId4"/>
+          <a:blip r:embed="rId3"/>
           <a:srcRect l="9091" t="9091"/>
           <a:stretch/>
         </p:blipFill>
@@ -16545,264 +16871,6 @@
           </a:prstGeom>
         </p:spPr>
       </p:pic>
-      <p:pic>
-        <p:nvPicPr>
-          <p:cNvPr id="11" name="Picture 10">
-            <a:extLst>
-              <a:ext uri="{FF2B5EF4-FFF2-40B4-BE49-F238E27FC236}">
-                <a16:creationId xmlns:a16="http://schemas.microsoft.com/office/drawing/2014/main" id="{8EC1A43B-D167-4E96-B7AD-61D3D9225CBB}"/>
-              </a:ext>
-              <a:ext uri="{C183D7F6-B498-43B3-948B-1728B52AA6E4}">
-                <adec:decorative xmlns:adec="http://schemas.microsoft.com/office/drawing/2017/decorative" val="1"/>
-              </a:ext>
-            </a:extLst>
-          </p:cNvPr>
-          <p:cNvPicPr>
-            <a:picLocks noGrp="1" noRot="1" noChangeAspect="1" noMove="1" noResize="1" noEditPoints="1" noAdjustHandles="1" noChangeArrowheads="1" noChangeShapeType="1" noCrop="1"/>
-          </p:cNvPicPr>
-          <p:nvPr>
-            <p:extLst>
-              <p:ext uri="{386F3935-93C4-4BCD-93E2-E3B085C9AB24}">
-                <p16:designElem xmlns:p16="http://schemas.microsoft.com/office/powerpoint/2015/main" val="1"/>
-              </p:ext>
-            </p:extLst>
-          </p:nvPr>
-        </p:nvPicPr>
-        <p:blipFill>
-          <a:blip r:embed="rId3">
-            <a:extLst>
-              <a:ext uri="{28A0092B-C50C-407E-A947-70E740481C1C}">
-                <a14:useLocalDpi xmlns:a14="http://schemas.microsoft.com/office/drawing/2010/main" val="0"/>
-              </a:ext>
-            </a:extLst>
-          </a:blip>
-          <a:stretch>
-            <a:fillRect/>
-          </a:stretch>
-        </p:blipFill>
-        <p:spPr>
-          <a:xfrm>
-            <a:off x="0" y="0"/>
-            <a:ext cx="12188825" cy="6856214"/>
-          </a:xfrm>
-          <a:prstGeom prst="rect">
-            <a:avLst/>
-          </a:prstGeom>
-        </p:spPr>
-      </p:pic>
-      <p:pic>
-        <p:nvPicPr>
-          <p:cNvPr id="13" name="Picture 12">
-            <a:extLst>
-              <a:ext uri="{FF2B5EF4-FFF2-40B4-BE49-F238E27FC236}">
-                <a16:creationId xmlns:a16="http://schemas.microsoft.com/office/drawing/2014/main" id="{86623E07-B4B3-43D5-AB6E-5FD9A1C11D35}"/>
-              </a:ext>
-              <a:ext uri="{C183D7F6-B498-43B3-948B-1728B52AA6E4}">
-                <adec:decorative xmlns:adec="http://schemas.microsoft.com/office/drawing/2017/decorative" val="1"/>
-              </a:ext>
-            </a:extLst>
-          </p:cNvPr>
-          <p:cNvPicPr>
-            <a:picLocks noGrp="1" noRot="1" noChangeAspect="1" noMove="1" noResize="1" noEditPoints="1" noAdjustHandles="1" noChangeArrowheads="1" noChangeShapeType="1" noCrop="1"/>
-          </p:cNvPicPr>
-          <p:nvPr>
-            <p:extLst>
-              <p:ext uri="{386F3935-93C4-4BCD-93E2-E3B085C9AB24}">
-                <p16:designElem xmlns:p16="http://schemas.microsoft.com/office/powerpoint/2015/main" val="1"/>
-              </p:ext>
-            </p:extLst>
-          </p:nvPr>
-        </p:nvPicPr>
-        <p:blipFill rotWithShape="1">
-          <a:blip r:embed="rId5">
-            <a:extLst>
-              <a:ext uri="{28A0092B-C50C-407E-A947-70E740481C1C}">
-                <a14:useLocalDpi xmlns:a14="http://schemas.microsoft.com/office/drawing/2010/main" val="0"/>
-              </a:ext>
-            </a:extLst>
-          </a:blip>
-          <a:srcRect l="41427"/>
-          <a:stretch/>
-        </p:blipFill>
-        <p:spPr>
-          <a:xfrm>
-            <a:off x="5147732" y="93132"/>
-            <a:ext cx="7044267" cy="6764867"/>
-          </a:xfrm>
-          <a:prstGeom prst="rect">
-            <a:avLst/>
-          </a:prstGeom>
-        </p:spPr>
-      </p:pic>
-      <p:sp>
-        <p:nvSpPr>
-          <p:cNvPr id="15" name="Freeform 5">
-            <a:extLst>
-              <a:ext uri="{FF2B5EF4-FFF2-40B4-BE49-F238E27FC236}">
-                <a16:creationId xmlns:a16="http://schemas.microsoft.com/office/drawing/2014/main" id="{C727912B-C157-4CDB-8486-00E702D36C1C}"/>
-              </a:ext>
-              <a:ext uri="{C183D7F6-B498-43B3-948B-1728B52AA6E4}">
-                <adec:decorative xmlns:adec="http://schemas.microsoft.com/office/drawing/2017/decorative" val="1"/>
-              </a:ext>
-            </a:extLst>
-          </p:cNvPr>
-          <p:cNvSpPr>
-            <a:spLocks noGrp="1" noRot="1" noChangeAspect="1" noMove="1" noResize="1" noEditPoints="1" noAdjustHandles="1" noChangeArrowheads="1" noChangeShapeType="1" noTextEdit="1"/>
-          </p:cNvSpPr>
-          <p:nvPr>
-            <p:extLst>
-              <p:ext uri="{386F3935-93C4-4BCD-93E2-E3B085C9AB24}">
-                <p16:designElem xmlns:p16="http://schemas.microsoft.com/office/powerpoint/2015/main" val="1"/>
-              </p:ext>
-            </p:extLst>
-          </p:nvPr>
-        </p:nvSpPr>
-        <p:spPr bwMode="grayWhite">
-          <a:xfrm>
-            <a:off x="5827529" y="660400"/>
-            <a:ext cx="6381405" cy="6214533"/>
-          </a:xfrm>
-          <a:custGeom>
-            <a:avLst/>
-            <a:gdLst>
-              <a:gd name="T0" fmla="*/ 1333 w 1333"/>
-              <a:gd name="T1" fmla="*/ 1031 h 1298"/>
-              <a:gd name="T2" fmla="*/ 1333 w 1333"/>
-              <a:gd name="T3" fmla="*/ 380 h 1298"/>
-              <a:gd name="T4" fmla="*/ 706 w 1333"/>
-              <a:gd name="T5" fmla="*/ 0 h 1298"/>
-              <a:gd name="T6" fmla="*/ 0 w 1333"/>
-              <a:gd name="T7" fmla="*/ 706 h 1298"/>
-              <a:gd name="T8" fmla="*/ 323 w 1333"/>
-              <a:gd name="T9" fmla="*/ 1298 h 1298"/>
-              <a:gd name="T10" fmla="*/ 1090 w 1333"/>
-              <a:gd name="T11" fmla="*/ 1298 h 1298"/>
-              <a:gd name="T12" fmla="*/ 1333 w 1333"/>
-              <a:gd name="T13" fmla="*/ 1031 h 1298"/>
-            </a:gdLst>
-            <a:ahLst/>
-            <a:cxnLst>
-              <a:cxn ang="0">
-                <a:pos x="T0" y="T1"/>
-              </a:cxn>
-              <a:cxn ang="0">
-                <a:pos x="T2" y="T3"/>
-              </a:cxn>
-              <a:cxn ang="0">
-                <a:pos x="T4" y="T5"/>
-              </a:cxn>
-              <a:cxn ang="0">
-                <a:pos x="T6" y="T7"/>
-              </a:cxn>
-              <a:cxn ang="0">
-                <a:pos x="T8" y="T9"/>
-              </a:cxn>
-              <a:cxn ang="0">
-                <a:pos x="T10" y="T11"/>
-              </a:cxn>
-              <a:cxn ang="0">
-                <a:pos x="T12" y="T13"/>
-              </a:cxn>
-            </a:cxnLst>
-            <a:rect l="0" t="0" r="r" b="b"/>
-            <a:pathLst>
-              <a:path w="1333" h="1298">
-                <a:moveTo>
-                  <a:pt x="1333" y="1031"/>
-                </a:moveTo>
-                <a:cubicBezTo>
-                  <a:pt x="1333" y="380"/>
-                  <a:pt x="1333" y="380"/>
-                  <a:pt x="1333" y="380"/>
-                </a:cubicBezTo>
-                <a:cubicBezTo>
-                  <a:pt x="1215" y="154"/>
-                  <a:pt x="979" y="0"/>
-                  <a:pt x="706" y="0"/>
-                </a:cubicBezTo>
-                <a:cubicBezTo>
-                  <a:pt x="317" y="0"/>
-                  <a:pt x="0" y="316"/>
-                  <a:pt x="0" y="706"/>
-                </a:cubicBezTo>
-                <a:cubicBezTo>
-                  <a:pt x="0" y="954"/>
-                  <a:pt x="129" y="1172"/>
-                  <a:pt x="323" y="1298"/>
-                </a:cubicBezTo>
-                <a:cubicBezTo>
-                  <a:pt x="1090" y="1298"/>
-                  <a:pt x="1090" y="1298"/>
-                  <a:pt x="1090" y="1298"/>
-                </a:cubicBezTo>
-                <a:cubicBezTo>
-                  <a:pt x="1193" y="1232"/>
-                  <a:pt x="1276" y="1140"/>
-                  <a:pt x="1333" y="1031"/>
-                </a:cubicBezTo>
-                <a:close/>
-              </a:path>
-            </a:pathLst>
-          </a:custGeom>
-          <a:solidFill>
-            <a:schemeClr val="tx2">
-              <a:alpha val="70000"/>
-            </a:schemeClr>
-          </a:solidFill>
-          <a:ln w="50800" cap="sq" cmpd="dbl">
-            <a:gradFill flip="none" rotWithShape="1">
-              <a:gsLst>
-                <a:gs pos="0">
-                  <a:srgbClr val="FFFFFF"/>
-                </a:gs>
-                <a:gs pos="100000">
-                  <a:schemeClr val="tx1">
-                    <a:alpha val="0"/>
-                  </a:schemeClr>
-                </a:gs>
-              </a:gsLst>
-              <a:path path="circle">
-                <a:fillToRect l="50000" t="50000" r="50000" b="50000"/>
-              </a:path>
-              <a:tileRect/>
-            </a:gradFill>
-            <a:miter lim="800000"/>
-          </a:ln>
-          <a:effectLst>
-            <a:outerShdw blurRad="254000" algn="tl" rotWithShape="0">
-              <a:srgbClr val="000000">
-                <a:alpha val="43000"/>
-              </a:srgbClr>
-            </a:outerShdw>
-          </a:effectLst>
-        </p:spPr>
-        <p:txBody>
-          <a:bodyPr vert="horz" lIns="91440" tIns="45720" rIns="91440" bIns="45720" rtlCol="0" anchor="t">
-            <a:normAutofit/>
-          </a:bodyPr>
-          <a:lstStyle/>
-          <a:p>
-            <a:pPr algn="ctr">
-              <a:spcAft>
-                <a:spcPts val="1000"/>
-              </a:spcAft>
-              <a:buClr>
-                <a:schemeClr val="tx1"/>
-              </a:buClr>
-              <a:buSzPct val="100000"/>
-              <a:buFont typeface="Arial"/>
-              <a:buNone/>
-            </a:pPr>
-            <a:endParaRPr lang="en-US" sz="1600" cap="all">
-              <a:solidFill>
-                <a:schemeClr val="bg2">
-                  <a:lumMod val="75000"/>
-                </a:schemeClr>
-              </a:solidFill>
-            </a:endParaRPr>
-          </a:p>
-        </p:txBody>
-      </p:sp>
       <p:sp>
         <p:nvSpPr>
           <p:cNvPr id="2" name="Title 1">
@@ -16963,6 +17031,83 @@
           </a:p>
         </p:txBody>
       </p:sp>
+      <p:sp>
+        <p:nvSpPr>
+          <p:cNvPr id="40" name="Content Placeholder 2">
+            <a:extLst>
+              <a:ext uri="{FF2B5EF4-FFF2-40B4-BE49-F238E27FC236}">
+                <a16:creationId xmlns:a16="http://schemas.microsoft.com/office/drawing/2014/main" id="{9B6A0677-4C5D-5A31-774A-6E06C3F1CF02}"/>
+              </a:ext>
+            </a:extLst>
+          </p:cNvPr>
+          <p:cNvSpPr>
+            <a:spLocks noGrp="1"/>
+          </p:cNvSpPr>
+          <p:nvPr>
+            <p:ph idx="1"/>
+          </p:nvPr>
+        </p:nvSpPr>
+        <p:spPr>
+          <a:xfrm>
+            <a:off x="6717278" y="2142067"/>
+            <a:ext cx="4099947" cy="3649133"/>
+          </a:xfrm>
+        </p:spPr>
+        <p:txBody>
+          <a:bodyPr>
+            <a:normAutofit/>
+          </a:bodyPr>
+          <a:lstStyle/>
+          <a:p>
+            <a:r>
+              <a:rPr lang="en-US" dirty="0"/>
+              <a:t>Stores - 45</a:t>
+            </a:r>
+          </a:p>
+          <a:p>
+            <a:r>
+              <a:rPr lang="en-US" dirty="0"/>
+              <a:t>Date (2010-2013)</a:t>
+            </a:r>
+          </a:p>
+          <a:p>
+            <a:r>
+              <a:rPr lang="en-US" dirty="0"/>
+              <a:t>Weekly Sales</a:t>
+            </a:r>
+          </a:p>
+          <a:p>
+            <a:r>
+              <a:rPr lang="en-US" dirty="0"/>
+              <a:t>Holiday Sales</a:t>
+            </a:r>
+          </a:p>
+          <a:p>
+            <a:r>
+              <a:rPr lang="en-US" dirty="0"/>
+              <a:t>Temperature - ℉</a:t>
+            </a:r>
+          </a:p>
+          <a:p>
+            <a:r>
+              <a:rPr lang="en-US" dirty="0"/>
+              <a:t>Fuel Price</a:t>
+            </a:r>
+          </a:p>
+          <a:p>
+            <a:r>
+              <a:rPr lang="en-US" dirty="0"/>
+              <a:t>CPI – Consumer price index</a:t>
+            </a:r>
+          </a:p>
+          <a:p>
+            <a:r>
+              <a:rPr lang="en-US" dirty="0"/>
+              <a:t>Unemployment</a:t>
+            </a:r>
+          </a:p>
+        </p:txBody>
+      </p:sp>
       <p:pic>
         <p:nvPicPr>
           <p:cNvPr id="4" name="Picture 3">
@@ -17078,83 +17223,6 @@
           </a:effectLst>
         </p:spPr>
       </p:pic>
-      <p:sp>
-        <p:nvSpPr>
-          <p:cNvPr id="40" name="Content Placeholder 2">
-            <a:extLst>
-              <a:ext uri="{FF2B5EF4-FFF2-40B4-BE49-F238E27FC236}">
-                <a16:creationId xmlns:a16="http://schemas.microsoft.com/office/drawing/2014/main" id="{9B6A0677-4C5D-5A31-774A-6E06C3F1CF02}"/>
-              </a:ext>
-            </a:extLst>
-          </p:cNvPr>
-          <p:cNvSpPr>
-            <a:spLocks noGrp="1"/>
-          </p:cNvSpPr>
-          <p:nvPr>
-            <p:ph idx="1"/>
-          </p:nvPr>
-        </p:nvSpPr>
-        <p:spPr>
-          <a:xfrm>
-            <a:off x="6717278" y="2142067"/>
-            <a:ext cx="4099947" cy="3649133"/>
-          </a:xfrm>
-        </p:spPr>
-        <p:txBody>
-          <a:bodyPr>
-            <a:normAutofit/>
-          </a:bodyPr>
-          <a:lstStyle/>
-          <a:p>
-            <a:r>
-              <a:rPr lang="en-US" dirty="0"/>
-              <a:t>Stores - 45</a:t>
-            </a:r>
-          </a:p>
-          <a:p>
-            <a:r>
-              <a:rPr lang="en-US" dirty="0"/>
-              <a:t>Date (2010-2013)</a:t>
-            </a:r>
-          </a:p>
-          <a:p>
-            <a:r>
-              <a:rPr lang="en-US" dirty="0"/>
-              <a:t>Weekly Sales</a:t>
-            </a:r>
-          </a:p>
-          <a:p>
-            <a:r>
-              <a:rPr lang="en-US" dirty="0"/>
-              <a:t>Holiday Sales</a:t>
-            </a:r>
-          </a:p>
-          <a:p>
-            <a:r>
-              <a:rPr lang="en-US" dirty="0"/>
-              <a:t>Temperature -℉</a:t>
-            </a:r>
-          </a:p>
-          <a:p>
-            <a:r>
-              <a:rPr lang="en-US" dirty="0"/>
-              <a:t>Fuel Price</a:t>
-            </a:r>
-          </a:p>
-          <a:p>
-            <a:r>
-              <a:rPr lang="en-US" dirty="0"/>
-              <a:t>CPI – Consumer price index</a:t>
-            </a:r>
-          </a:p>
-          <a:p>
-            <a:r>
-              <a:rPr lang="en-US" dirty="0"/>
-              <a:t>Unemployment</a:t>
-            </a:r>
-          </a:p>
-        </p:txBody>
-      </p:sp>
     </p:spTree>
     <p:extLst>
       <p:ext uri="{BB962C8B-B14F-4D97-AF65-F5344CB8AC3E}">
@@ -17223,214 +17291,6 @@
           </a:prstGeom>
         </p:spPr>
       </p:pic>
-      <p:pic>
-        <p:nvPicPr>
-          <p:cNvPr id="47" name="Picture 46">
-            <a:extLst>
-              <a:ext uri="{FF2B5EF4-FFF2-40B4-BE49-F238E27FC236}">
-                <a16:creationId xmlns:a16="http://schemas.microsoft.com/office/drawing/2014/main" id="{0C8B7D16-051E-4562-B872-ABF369C457CA}"/>
-              </a:ext>
-              <a:ext uri="{C183D7F6-B498-43B3-948B-1728B52AA6E4}">
-                <adec:decorative xmlns:adec="http://schemas.microsoft.com/office/drawing/2017/decorative" val="1"/>
-              </a:ext>
-            </a:extLst>
-          </p:cNvPr>
-          <p:cNvPicPr>
-            <a:picLocks noGrp="1" noRot="1" noChangeAspect="1" noMove="1" noResize="1" noEditPoints="1" noAdjustHandles="1" noChangeArrowheads="1" noChangeShapeType="1" noCrop="1"/>
-          </p:cNvPicPr>
-          <p:nvPr>
-            <p:extLst>
-              <p:ext uri="{386F3935-93C4-4BCD-93E2-E3B085C9AB24}">
-                <p16:designElem xmlns:p16="http://schemas.microsoft.com/office/powerpoint/2015/main" val="1"/>
-              </p:ext>
-            </p:extLst>
-          </p:nvPr>
-        </p:nvPicPr>
-        <p:blipFill>
-          <a:blip r:embed="rId4">
-            <a:extLst>
-              <a:ext uri="{28A0092B-C50C-407E-A947-70E740481C1C}">
-                <a14:useLocalDpi xmlns:a14="http://schemas.microsoft.com/office/drawing/2010/main" val="0"/>
-              </a:ext>
-            </a:extLst>
-          </a:blip>
-          <a:stretch>
-            <a:fillRect/>
-          </a:stretch>
-        </p:blipFill>
-        <p:spPr>
-          <a:xfrm>
-            <a:off x="0" y="0"/>
-            <a:ext cx="12188825" cy="6856214"/>
-          </a:xfrm>
-          <a:prstGeom prst="rect">
-            <a:avLst/>
-          </a:prstGeom>
-        </p:spPr>
-      </p:pic>
-      <p:sp>
-        <p:nvSpPr>
-          <p:cNvPr id="49" name="Freeform 5">
-            <a:extLst>
-              <a:ext uri="{FF2B5EF4-FFF2-40B4-BE49-F238E27FC236}">
-                <a16:creationId xmlns:a16="http://schemas.microsoft.com/office/drawing/2014/main" id="{ED10CF64-F588-4794-80E9-12CBA1784939}"/>
-              </a:ext>
-              <a:ext uri="{C183D7F6-B498-43B3-948B-1728B52AA6E4}">
-                <adec:decorative xmlns:adec="http://schemas.microsoft.com/office/drawing/2017/decorative" val="1"/>
-              </a:ext>
-            </a:extLst>
-          </p:cNvPr>
-          <p:cNvSpPr>
-            <a:spLocks noGrp="1" noRot="1" noChangeAspect="1" noMove="1" noResize="1" noEditPoints="1" noAdjustHandles="1" noChangeArrowheads="1" noChangeShapeType="1" noTextEdit="1"/>
-          </p:cNvSpPr>
-          <p:nvPr>
-            <p:extLst>
-              <p:ext uri="{386F3935-93C4-4BCD-93E2-E3B085C9AB24}">
-                <p16:designElem xmlns:p16="http://schemas.microsoft.com/office/powerpoint/2015/main" val="1"/>
-              </p:ext>
-            </p:extLst>
-          </p:nvPr>
-        </p:nvSpPr>
-        <p:spPr bwMode="grayWhite">
-          <a:xfrm>
-            <a:off x="516466" y="-18309"/>
-            <a:ext cx="11159068" cy="6894618"/>
-          </a:xfrm>
-          <a:custGeom>
-            <a:avLst/>
-            <a:gdLst>
-              <a:gd name="T0" fmla="*/ 2331 w 2331"/>
-              <a:gd name="T1" fmla="*/ 721 h 1440"/>
-              <a:gd name="T2" fmla="*/ 2082 w 2331"/>
-              <a:gd name="T3" fmla="*/ 0 h 1440"/>
-              <a:gd name="T4" fmla="*/ 249 w 2331"/>
-              <a:gd name="T5" fmla="*/ 0 h 1440"/>
-              <a:gd name="T6" fmla="*/ 0 w 2331"/>
-              <a:gd name="T7" fmla="*/ 721 h 1440"/>
-              <a:gd name="T8" fmla="*/ 248 w 2331"/>
-              <a:gd name="T9" fmla="*/ 1440 h 1440"/>
-              <a:gd name="T10" fmla="*/ 2083 w 2331"/>
-              <a:gd name="T11" fmla="*/ 1440 h 1440"/>
-              <a:gd name="T12" fmla="*/ 2331 w 2331"/>
-              <a:gd name="T13" fmla="*/ 721 h 1440"/>
-            </a:gdLst>
-            <a:ahLst/>
-            <a:cxnLst>
-              <a:cxn ang="0">
-                <a:pos x="T0" y="T1"/>
-              </a:cxn>
-              <a:cxn ang="0">
-                <a:pos x="T2" y="T3"/>
-              </a:cxn>
-              <a:cxn ang="0">
-                <a:pos x="T4" y="T5"/>
-              </a:cxn>
-              <a:cxn ang="0">
-                <a:pos x="T6" y="T7"/>
-              </a:cxn>
-              <a:cxn ang="0">
-                <a:pos x="T8" y="T9"/>
-              </a:cxn>
-              <a:cxn ang="0">
-                <a:pos x="T10" y="T11"/>
-              </a:cxn>
-              <a:cxn ang="0">
-                <a:pos x="T12" y="T13"/>
-              </a:cxn>
-            </a:cxnLst>
-            <a:rect l="0" t="0" r="r" b="b"/>
-            <a:pathLst>
-              <a:path w="2331" h="1440">
-                <a:moveTo>
-                  <a:pt x="2331" y="721"/>
-                </a:moveTo>
-                <a:cubicBezTo>
-                  <a:pt x="2331" y="449"/>
-                  <a:pt x="2238" y="198"/>
-                  <a:pt x="2082" y="0"/>
-                </a:cubicBezTo>
-                <a:cubicBezTo>
-                  <a:pt x="249" y="0"/>
-                  <a:pt x="249" y="0"/>
-                  <a:pt x="249" y="0"/>
-                </a:cubicBezTo>
-                <a:cubicBezTo>
-                  <a:pt x="93" y="198"/>
-                  <a:pt x="0" y="449"/>
-                  <a:pt x="0" y="721"/>
-                </a:cubicBezTo>
-                <a:cubicBezTo>
-                  <a:pt x="0" y="992"/>
-                  <a:pt x="92" y="1242"/>
-                  <a:pt x="248" y="1440"/>
-                </a:cubicBezTo>
-                <a:cubicBezTo>
-                  <a:pt x="2083" y="1440"/>
-                  <a:pt x="2083" y="1440"/>
-                  <a:pt x="2083" y="1440"/>
-                </a:cubicBezTo>
-                <a:cubicBezTo>
-                  <a:pt x="2239" y="1242"/>
-                  <a:pt x="2331" y="992"/>
-                  <a:pt x="2331" y="721"/>
-                </a:cubicBezTo>
-                <a:close/>
-              </a:path>
-            </a:pathLst>
-          </a:custGeom>
-          <a:solidFill>
-            <a:schemeClr val="bg1">
-              <a:alpha val="60000"/>
-            </a:schemeClr>
-          </a:solidFill>
-          <a:ln w="50800" cap="sq" cmpd="dbl">
-            <a:gradFill flip="none" rotWithShape="1">
-              <a:gsLst>
-                <a:gs pos="0">
-                  <a:srgbClr val="FFFFFF"/>
-                </a:gs>
-                <a:gs pos="100000">
-                  <a:schemeClr val="tx1">
-                    <a:alpha val="0"/>
-                  </a:schemeClr>
-                </a:gs>
-              </a:gsLst>
-              <a:path path="circle">
-                <a:fillToRect l="50000" t="50000" r="50000" b="50000"/>
-              </a:path>
-              <a:tileRect/>
-            </a:gradFill>
-            <a:miter lim="800000"/>
-          </a:ln>
-          <a:effectLst>
-            <a:outerShdw blurRad="254000" algn="tl" rotWithShape="0">
-              <a:srgbClr val="000000">
-                <a:alpha val="43000"/>
-              </a:srgbClr>
-            </a:outerShdw>
-          </a:effectLst>
-        </p:spPr>
-        <p:txBody>
-          <a:bodyPr vert="horz" lIns="91440" tIns="45720" rIns="91440" bIns="45720" rtlCol="0" anchor="t">
-            <a:normAutofit/>
-          </a:bodyPr>
-          <a:lstStyle/>
-          <a:p>
-            <a:pPr algn="ctr">
-              <a:spcAft>
-                <a:spcPts val="1000"/>
-              </a:spcAft>
-              <a:buClr>
-                <a:schemeClr val="tx1"/>
-              </a:buClr>
-              <a:buSzPct val="100000"/>
-              <a:buFont typeface="Arial"/>
-              <a:buNone/>
-            </a:pPr>
-            <a:endParaRPr lang="en-US" sz="1600" cap="all"/>
-          </a:p>
-        </p:txBody>
-      </p:sp>
       <p:sp>
         <p:nvSpPr>
           <p:cNvPr id="2" name="Title 1">
@@ -17505,7 +17365,7 @@
         </p:xfrm>
         <a:graphic>
           <a:graphicData uri="http://schemas.openxmlformats.org/drawingml/2006/diagram">
-            <dgm:relIds xmlns:dgm="http://schemas.openxmlformats.org/drawingml/2006/diagram" xmlns:r="http://schemas.openxmlformats.org/officeDocument/2006/relationships" r:dm="rId5" r:lo="rId6" r:qs="rId7" r:cs="rId8"/>
+            <dgm:relIds xmlns:dgm="http://schemas.openxmlformats.org/drawingml/2006/diagram" xmlns:r="http://schemas.openxmlformats.org/officeDocument/2006/relationships" r:dm="rId4" r:lo="rId5" r:qs="rId6" r:cs="rId7"/>
           </a:graphicData>
         </a:graphic>
       </p:graphicFrame>
@@ -18130,6 +17990,41 @@
       </p:grpSpPr>
       <p:sp>
         <p:nvSpPr>
+          <p:cNvPr id="2" name="Title 1">
+            <a:extLst>
+              <a:ext uri="{FF2B5EF4-FFF2-40B4-BE49-F238E27FC236}">
+                <a16:creationId xmlns:a16="http://schemas.microsoft.com/office/drawing/2014/main" id="{F7490153-C730-81D7-32E0-7B8A7400D494}"/>
+              </a:ext>
+            </a:extLst>
+          </p:cNvPr>
+          <p:cNvSpPr>
+            <a:spLocks noGrp="1"/>
+          </p:cNvSpPr>
+          <p:nvPr>
+            <p:ph type="title"/>
+          </p:nvPr>
+        </p:nvSpPr>
+        <p:spPr>
+          <a:xfrm>
+            <a:off x="1302423" y="302461"/>
+            <a:ext cx="3002446" cy="1453363"/>
+          </a:xfrm>
+        </p:spPr>
+        <p:txBody>
+          <a:bodyPr>
+            <a:normAutofit/>
+          </a:bodyPr>
+          <a:lstStyle/>
+          <a:p>
+            <a:r>
+              <a:rPr lang="en-US" dirty="0"/>
+              <a:t>Conclusion</a:t>
+            </a:r>
+          </a:p>
+        </p:txBody>
+      </p:sp>
+      <p:sp>
+        <p:nvSpPr>
           <p:cNvPr id="33" name="Content Placeholder 2">
             <a:extLst>
               <a:ext uri="{FF2B5EF4-FFF2-40B4-BE49-F238E27FC236}">
@@ -18212,7 +18107,7 @@
               </a:lnSpc>
             </a:pPr>
             <a:r>
-              <a:rPr lang="en-US" dirty="0"/>
+              <a:rPr lang="en-US" sz="1600" dirty="0"/>
               <a:t>Quarters</a:t>
             </a:r>
           </a:p>
@@ -18223,7 +18118,7 @@
               </a:lnSpc>
             </a:pPr>
             <a:r>
-              <a:rPr lang="en-US" dirty="0"/>
+              <a:rPr lang="en-US" sz="1600" dirty="0"/>
               <a:t>Store Types</a:t>
             </a:r>
           </a:p>
@@ -18234,7 +18129,7 @@
               </a:lnSpc>
             </a:pPr>
             <a:r>
-              <a:rPr lang="en-US" dirty="0"/>
+              <a:rPr lang="en-US" sz="1600" dirty="0"/>
               <a:t>Holiday Flag</a:t>
             </a:r>
           </a:p>
@@ -18473,41 +18368,6 @@
           </a:prstGeom>
         </p:spPr>
       </p:pic>
-      <p:sp>
-        <p:nvSpPr>
-          <p:cNvPr id="2" name="Title 1">
-            <a:extLst>
-              <a:ext uri="{FF2B5EF4-FFF2-40B4-BE49-F238E27FC236}">
-                <a16:creationId xmlns:a16="http://schemas.microsoft.com/office/drawing/2014/main" id="{F7490153-C730-81D7-32E0-7B8A7400D494}"/>
-              </a:ext>
-            </a:extLst>
-          </p:cNvPr>
-          <p:cNvSpPr>
-            <a:spLocks noGrp="1"/>
-          </p:cNvSpPr>
-          <p:nvPr>
-            <p:ph type="title"/>
-          </p:nvPr>
-        </p:nvSpPr>
-        <p:spPr>
-          <a:xfrm>
-            <a:off x="1302423" y="302461"/>
-            <a:ext cx="3002446" cy="1453363"/>
-          </a:xfrm>
-        </p:spPr>
-        <p:txBody>
-          <a:bodyPr>
-            <a:normAutofit/>
-          </a:bodyPr>
-          <a:lstStyle/>
-          <a:p>
-            <a:r>
-              <a:rPr lang="en-US" dirty="0"/>
-              <a:t>Conclusion</a:t>
-            </a:r>
-          </a:p>
-        </p:txBody>
-      </p:sp>
       <p:pic>
         <p:nvPicPr>
           <p:cNvPr id="13" name="Picture 12" descr="Chart, line chart&#10;&#10;Description automatically generated">
@@ -18529,7 +18389,7 @@
         </p:blipFill>
         <p:spPr>
           <a:xfrm>
-            <a:off x="679460" y="4649289"/>
+            <a:off x="679460" y="4421138"/>
             <a:ext cx="1947770" cy="1624062"/>
           </a:xfrm>
           <a:prstGeom prst="roundRect">
@@ -18764,7 +18624,13 @@
             </a:extLst>
           </p:cNvPr>
           <p:cNvGraphicFramePr/>
-          <p:nvPr/>
+          <p:nvPr>
+            <p:extLst>
+              <p:ext uri="{D42A27DB-BD31-4B8C-83A1-F6EECF244321}">
+                <p14:modId xmlns:p14="http://schemas.microsoft.com/office/powerpoint/2010/main" val="1910638081"/>
+              </p:ext>
+            </p:extLst>
+          </p:nvPr>
         </p:nvGraphicFramePr>
         <p:xfrm>
           <a:off x="5131612" y="1662545"/>

--- a/walmart_presentation.pptx
+++ b/walmart_presentation.pptx
@@ -10339,7 +10339,7 @@
           <a:p>
             <a:fld id="{72345051-2045-45DA-935E-2E3CA1A69ADC}" type="datetimeFigureOut">
               <a:rPr lang="en-US" smtClean="0"/>
-              <a:t>11/7/22</a:t>
+              <a:t>11/11/22</a:t>
             </a:fld>
             <a:endParaRPr lang="en-US" dirty="0"/>
           </a:p>
@@ -10673,7 +10673,7 @@
           <a:p>
             <a:fld id="{72345051-2045-45DA-935E-2E3CA1A69ADC}" type="datetimeFigureOut">
               <a:rPr lang="en-US" smtClean="0"/>
-              <a:t>11/7/22</a:t>
+              <a:t>11/11/22</a:t>
             </a:fld>
             <a:endParaRPr lang="en-US" dirty="0"/>
           </a:p>
@@ -10951,7 +10951,7 @@
           <a:p>
             <a:fld id="{72345051-2045-45DA-935E-2E3CA1A69ADC}" type="datetimeFigureOut">
               <a:rPr lang="en-US" smtClean="0"/>
-              <a:t>11/7/22</a:t>
+              <a:t>11/11/22</a:t>
             </a:fld>
             <a:endParaRPr lang="en-US" dirty="0"/>
           </a:p>
@@ -11519,7 +11519,7 @@
           <a:p>
             <a:fld id="{72345051-2045-45DA-935E-2E3CA1A69ADC}" type="datetimeFigureOut">
               <a:rPr lang="en-US" smtClean="0"/>
-              <a:t>11/7/22</a:t>
+              <a:t>11/11/22</a:t>
             </a:fld>
             <a:endParaRPr lang="en-US" dirty="0"/>
           </a:p>
@@ -11797,7 +11797,7 @@
           <a:p>
             <a:fld id="{72345051-2045-45DA-935E-2E3CA1A69ADC}" type="datetimeFigureOut">
               <a:rPr lang="en-US" smtClean="0"/>
-              <a:t>11/7/22</a:t>
+              <a:t>11/11/22</a:t>
             </a:fld>
             <a:endParaRPr lang="en-US" dirty="0"/>
           </a:p>
@@ -12359,7 +12359,7 @@
           <a:p>
             <a:fld id="{72345051-2045-45DA-935E-2E3CA1A69ADC}" type="datetimeFigureOut">
               <a:rPr lang="en-US" smtClean="0"/>
-              <a:t>11/7/22</a:t>
+              <a:t>11/11/22</a:t>
             </a:fld>
             <a:endParaRPr lang="en-US" dirty="0"/>
           </a:p>
@@ -12686,7 +12686,7 @@
           <a:p>
             <a:fld id="{72345051-2045-45DA-935E-2E3CA1A69ADC}" type="datetimeFigureOut">
               <a:rPr lang="en-US" smtClean="0"/>
-              <a:t>11/7/22</a:t>
+              <a:t>11/11/22</a:t>
             </a:fld>
             <a:endParaRPr lang="en-US" dirty="0"/>
           </a:p>
@@ -12863,7 +12863,7 @@
           <a:p>
             <a:fld id="{72345051-2045-45DA-935E-2E3CA1A69ADC}" type="datetimeFigureOut">
               <a:rPr lang="en-US" smtClean="0"/>
-              <a:t>11/7/22</a:t>
+              <a:t>11/11/22</a:t>
             </a:fld>
             <a:endParaRPr lang="en-US"/>
           </a:p>
@@ -13101,7 +13101,7 @@
           <a:p>
             <a:fld id="{72345051-2045-45DA-935E-2E3CA1A69ADC}" type="datetimeFigureOut">
               <a:rPr lang="en-US" smtClean="0"/>
-              <a:t>11/7/22</a:t>
+              <a:t>11/11/22</a:t>
             </a:fld>
             <a:endParaRPr lang="en-US"/>
           </a:p>
@@ -13301,7 +13301,7 @@
           <a:p>
             <a:fld id="{72345051-2045-45DA-935E-2E3CA1A69ADC}" type="datetimeFigureOut">
               <a:rPr lang="en-US" smtClean="0"/>
-              <a:t>11/7/22</a:t>
+              <a:t>11/11/22</a:t>
             </a:fld>
             <a:endParaRPr lang="en-US"/>
           </a:p>
@@ -13577,7 +13577,7 @@
           <a:p>
             <a:fld id="{72345051-2045-45DA-935E-2E3CA1A69ADC}" type="datetimeFigureOut">
               <a:rPr lang="en-US" smtClean="0"/>
-              <a:t>11/7/22</a:t>
+              <a:t>11/11/22</a:t>
             </a:fld>
             <a:endParaRPr lang="en-US"/>
           </a:p>
@@ -13843,7 +13843,7 @@
           <a:p>
             <a:fld id="{72345051-2045-45DA-935E-2E3CA1A69ADC}" type="datetimeFigureOut">
               <a:rPr lang="en-US" smtClean="0"/>
-              <a:t>11/7/22</a:t>
+              <a:t>11/11/22</a:t>
             </a:fld>
             <a:endParaRPr lang="en-US"/>
           </a:p>
@@ -14217,7 +14217,7 @@
           <a:p>
             <a:fld id="{72345051-2045-45DA-935E-2E3CA1A69ADC}" type="datetimeFigureOut">
               <a:rPr lang="en-US" smtClean="0"/>
-              <a:t>11/7/22</a:t>
+              <a:t>11/11/22</a:t>
             </a:fld>
             <a:endParaRPr lang="en-US" dirty="0"/>
           </a:p>
@@ -14365,7 +14365,7 @@
           <a:p>
             <a:fld id="{72345051-2045-45DA-935E-2E3CA1A69ADC}" type="datetimeFigureOut">
               <a:rPr lang="en-US" smtClean="0"/>
-              <a:t>11/7/22</a:t>
+              <a:t>11/11/22</a:t>
             </a:fld>
             <a:endParaRPr lang="en-US"/>
           </a:p>
@@ -14490,7 +14490,7 @@
           <a:p>
             <a:fld id="{72345051-2045-45DA-935E-2E3CA1A69ADC}" type="datetimeFigureOut">
               <a:rPr lang="en-US" smtClean="0"/>
-              <a:t>11/7/22</a:t>
+              <a:t>11/11/22</a:t>
             </a:fld>
             <a:endParaRPr lang="en-US"/>
           </a:p>
@@ -14775,7 +14775,7 @@
           <a:p>
             <a:fld id="{72345051-2045-45DA-935E-2E3CA1A69ADC}" type="datetimeFigureOut">
               <a:rPr lang="en-US" smtClean="0"/>
-              <a:t>11/7/22</a:t>
+              <a:t>11/11/22</a:t>
             </a:fld>
             <a:endParaRPr lang="en-US"/>
           </a:p>
@@ -15099,7 +15099,7 @@
           <a:p>
             <a:fld id="{72345051-2045-45DA-935E-2E3CA1A69ADC}" type="datetimeFigureOut">
               <a:rPr lang="en-US" smtClean="0"/>
-              <a:t>11/7/22</a:t>
+              <a:t>11/11/22</a:t>
             </a:fld>
             <a:endParaRPr lang="en-US"/>
           </a:p>
@@ -15313,7 +15313,7 @@
           <a:p>
             <a:fld id="{72345051-2045-45DA-935E-2E3CA1A69ADC}" type="datetimeFigureOut">
               <a:rPr lang="en-US" smtClean="0"/>
-              <a:t>11/7/22</a:t>
+              <a:t>11/11/22</a:t>
             </a:fld>
             <a:endParaRPr lang="en-US" dirty="0"/>
           </a:p>
@@ -16901,13 +16901,7 @@
           <a:p>
             <a:pPr algn="r"/>
             <a:r>
-              <a:rPr lang="en-US" sz="4800" dirty="0">
-                <a:solidFill>
-                  <a:schemeClr val="bg2">
-                    <a:lumMod val="75000"/>
-                  </a:schemeClr>
-                </a:solidFill>
-              </a:rPr>
+              <a:rPr lang="en-US" sz="4800" dirty="0"/>
               <a:t>Business Problem</a:t>
             </a:r>
           </a:p>
@@ -16931,7 +16925,7 @@
         </p:nvSpPr>
         <p:spPr>
           <a:xfrm>
-            <a:off x="6204459" y="4546284"/>
+            <a:off x="6204459" y="4661898"/>
             <a:ext cx="5828145" cy="1346201"/>
           </a:xfrm>
         </p:spPr>
@@ -16945,13 +16939,7 @@
               <a:buNone/>
             </a:pPr>
             <a:r>
-              <a:rPr lang="en-US" dirty="0">
-                <a:solidFill>
-                  <a:schemeClr val="bg2">
-                    <a:lumMod val="75000"/>
-                  </a:schemeClr>
-                </a:solidFill>
-              </a:rPr>
+              <a:rPr lang="en-US" dirty="0"/>
               <a:t>Walmart has been running out of stock during busy periods recently and are looking for a way to predict future sales In order to maintain appropriate levels of stock. </a:t>
             </a:r>
           </a:p>
@@ -17990,41 +17978,6 @@
       </p:grpSpPr>
       <p:sp>
         <p:nvSpPr>
-          <p:cNvPr id="2" name="Title 1">
-            <a:extLst>
-              <a:ext uri="{FF2B5EF4-FFF2-40B4-BE49-F238E27FC236}">
-                <a16:creationId xmlns:a16="http://schemas.microsoft.com/office/drawing/2014/main" id="{F7490153-C730-81D7-32E0-7B8A7400D494}"/>
-              </a:ext>
-            </a:extLst>
-          </p:cNvPr>
-          <p:cNvSpPr>
-            <a:spLocks noGrp="1"/>
-          </p:cNvSpPr>
-          <p:nvPr>
-            <p:ph type="title"/>
-          </p:nvPr>
-        </p:nvSpPr>
-        <p:spPr>
-          <a:xfrm>
-            <a:off x="1302423" y="302461"/>
-            <a:ext cx="3002446" cy="1453363"/>
-          </a:xfrm>
-        </p:spPr>
-        <p:txBody>
-          <a:bodyPr>
-            <a:normAutofit/>
-          </a:bodyPr>
-          <a:lstStyle/>
-          <a:p>
-            <a:r>
-              <a:rPr lang="en-US" dirty="0"/>
-              <a:t>Conclusion</a:t>
-            </a:r>
-          </a:p>
-        </p:txBody>
-      </p:sp>
-      <p:sp>
-        <p:nvSpPr>
           <p:cNvPr id="33" name="Content Placeholder 2">
             <a:extLst>
               <a:ext uri="{FF2B5EF4-FFF2-40B4-BE49-F238E27FC236}">
@@ -18425,6 +18378,41 @@
           </a:effectLst>
         </p:spPr>
       </p:pic>
+      <p:sp>
+        <p:nvSpPr>
+          <p:cNvPr id="2" name="Title 1">
+            <a:extLst>
+              <a:ext uri="{FF2B5EF4-FFF2-40B4-BE49-F238E27FC236}">
+                <a16:creationId xmlns:a16="http://schemas.microsoft.com/office/drawing/2014/main" id="{F7490153-C730-81D7-32E0-7B8A7400D494}"/>
+              </a:ext>
+            </a:extLst>
+          </p:cNvPr>
+          <p:cNvSpPr>
+            <a:spLocks noGrp="1"/>
+          </p:cNvSpPr>
+          <p:nvPr>
+            <p:ph type="title"/>
+          </p:nvPr>
+        </p:nvSpPr>
+        <p:spPr>
+          <a:xfrm>
+            <a:off x="1302423" y="302461"/>
+            <a:ext cx="3002446" cy="1453363"/>
+          </a:xfrm>
+        </p:spPr>
+        <p:txBody>
+          <a:bodyPr>
+            <a:normAutofit/>
+          </a:bodyPr>
+          <a:lstStyle/>
+          <a:p>
+            <a:r>
+              <a:rPr lang="en-US" dirty="0"/>
+              <a:t>Conclusion</a:t>
+            </a:r>
+          </a:p>
+        </p:txBody>
+      </p:sp>
     </p:spTree>
     <p:extLst>
       <p:ext uri="{BB962C8B-B14F-4D97-AF65-F5344CB8AC3E}">

--- a/walmart_presentation.pptx
+++ b/walmart_presentation.pptx
@@ -2598,7 +2598,7 @@
         <a:lstStyle/>
         <a:p>
           <a:r>
-            <a:rPr lang="en-US"/>
+            <a:rPr lang="en-US" dirty="0"/>
             <a:t>IQR Trimming and Capping Method</a:t>
           </a:r>
         </a:p>
@@ -4299,7 +4299,7 @@
             <a:buNone/>
           </a:pPr>
           <a:r>
-            <a:rPr lang="en-US" sz="1900" kern="1200"/>
+            <a:rPr lang="en-US" sz="1900" kern="1200" dirty="0"/>
             <a:t>IQR Trimming and Capping Method</a:t>
           </a:r>
         </a:p>
@@ -16940,7 +16940,7 @@
             </a:pPr>
             <a:r>
               <a:rPr lang="en-US" dirty="0"/>
-              <a:t>Walmart has been running out of stock during busy periods recently and are looking for a way to predict future sales In order to maintain appropriate levels of stock. </a:t>
+              <a:t>Walmart has been running out of stock during busy periods recently and are looking for a way to predict future sales in order to maintain appropriate levels of stock. </a:t>
             </a:r>
           </a:p>
         </p:txBody>
@@ -17055,7 +17055,7 @@
           <a:p>
             <a:r>
               <a:rPr lang="en-US" dirty="0"/>
-              <a:t>Date (2010-2013)</a:t>
+              <a:t>Date (2010-2012)</a:t>
             </a:r>
           </a:p>
           <a:p>
@@ -17342,13 +17342,13 @@
             <p:ph idx="1"/>
             <p:extLst>
               <p:ext uri="{D42A27DB-BD31-4B8C-83A1-F6EECF244321}">
-                <p14:modId xmlns:p14="http://schemas.microsoft.com/office/powerpoint/2010/main" val="3457597439"/>
+                <p14:modId xmlns:p14="http://schemas.microsoft.com/office/powerpoint/2010/main" val="2535269052"/>
               </p:ext>
             </p:extLst>
           </p:nvPr>
         </p:nvGraphicFramePr>
         <p:xfrm>
-          <a:off x="1380067" y="2006601"/>
+          <a:off x="1169860" y="1827925"/>
           <a:ext cx="9437159" cy="3784600"/>
         </p:xfrm>
         <a:graphic>
@@ -17424,8 +17424,8 @@
           <a:lstStyle/>
           <a:p>
             <a:r>
-              <a:rPr lang="en-US" sz="7200"/>
-              <a:t>Model and Validation</a:t>
+              <a:rPr lang="en-US" sz="7200" dirty="0"/>
+              <a:t>Model   and Validation</a:t>
             </a:r>
           </a:p>
         </p:txBody>

--- a/walmart_presentation.pptx
+++ b/walmart_presentation.pptx
@@ -17067,7 +17067,7 @@
           <a:p>
             <a:r>
               <a:rPr lang="en-US" dirty="0"/>
-              <a:t>Holiday Sales</a:t>
+              <a:t>Holiday Flag</a:t>
             </a:r>
           </a:p>
           <a:p>
@@ -17466,7 +17466,7 @@
           <a:p>
             <a:r>
               <a:rPr lang="en-US" dirty="0"/>
-              <a:t>Performing creating of dummies variables for categorical values</a:t>
+              <a:t>Creating dummies variables for categorical values</a:t>
             </a:r>
           </a:p>
           <a:p>
